--- a/G.E.Jo Presentation.pptx
+++ b/G.E.Jo Presentation.pptx
@@ -17513,7 +17513,7 @@
                 <a:ea typeface="SimSun" panose="02010600030101010101" pitchFamily="2" charset="-122"/>
                 <a:cs typeface="Times New Roman" panose="02020603050405020304" pitchFamily="18" charset="0"/>
               </a:rPr>
-              <a:t>neithter</a:t>
+              <a:t>Neithter</a:t>
             </a:r>
             <a:r>
               <a:rPr lang="en-US" sz="2000" dirty="0">
@@ -22155,21 +22155,7 @@
                 <a:latin typeface="Times New Roman" panose="02020603050405020304" pitchFamily="18" charset="0"/>
                 <a:cs typeface="Times New Roman" panose="02020603050405020304" pitchFamily="18" charset="0"/>
               </a:rPr>
-              <a:t>Visualization of the Clusters for the document </a:t>
-            </a:r>
-            <a:r>
-              <a:rPr lang="en-US" sz="1200" dirty="0" err="1">
-                <a:latin typeface="Times New Roman" panose="02020603050405020304" pitchFamily="18" charset="0"/>
-                <a:cs typeface="Times New Roman" panose="02020603050405020304" pitchFamily="18" charset="0"/>
-              </a:rPr>
-              <a:t>embeddings</a:t>
-            </a:r>
-            <a:r>
-              <a:rPr lang="en-US" sz="1200" dirty="0">
-                <a:latin typeface="Times New Roman" panose="02020603050405020304" pitchFamily="18" charset="0"/>
-                <a:cs typeface="Times New Roman" panose="02020603050405020304" pitchFamily="18" charset="0"/>
-              </a:rPr>
-              <a:t> &amp; project objective using PCA</a:t>
+              <a:t>Visualization of the Clusters for the document embeddings &amp; project objective using PCA</a:t>
             </a:r>
             <a:endParaRPr lang="el-GR" sz="1200" dirty="0">
               <a:latin typeface="Times New Roman" panose="02020603050405020304" pitchFamily="18" charset="0"/>
@@ -22831,35 +22817,7 @@
                 <a:latin typeface="Times New Roman" panose="02020603050405020304" pitchFamily="18" charset="0"/>
                 <a:cs typeface="Times New Roman" panose="02020603050405020304" pitchFamily="18" charset="0"/>
               </a:rPr>
-              <a:t>Elbow method to choose the optimal number of clusters for the document </a:t>
-            </a:r>
-            <a:r>
-              <a:rPr lang="en-US" sz="1200" dirty="0" err="1">
-                <a:latin typeface="Times New Roman" panose="02020603050405020304" pitchFamily="18" charset="0"/>
-                <a:cs typeface="Times New Roman" panose="02020603050405020304" pitchFamily="18" charset="0"/>
-              </a:rPr>
-              <a:t>embeddings</a:t>
-            </a:r>
-            <a:r>
-              <a:rPr lang="en-US" sz="1200" dirty="0">
-                <a:latin typeface="Times New Roman" panose="02020603050405020304" pitchFamily="18" charset="0"/>
-                <a:cs typeface="Times New Roman" panose="02020603050405020304" pitchFamily="18" charset="0"/>
-              </a:rPr>
-              <a:t> &amp; claim </a:t>
-            </a:r>
-            <a:r>
-              <a:rPr lang="en-US" sz="1200" dirty="0" err="1">
-                <a:latin typeface="Times New Roman" panose="02020603050405020304" pitchFamily="18" charset="0"/>
-                <a:cs typeface="Times New Roman" panose="02020603050405020304" pitchFamily="18" charset="0"/>
-              </a:rPr>
-              <a:t>embeddings</a:t>
-            </a:r>
-            <a:r>
-              <a:rPr lang="en-US" sz="1200" dirty="0">
-                <a:latin typeface="Times New Roman" panose="02020603050405020304" pitchFamily="18" charset="0"/>
-                <a:cs typeface="Times New Roman" panose="02020603050405020304" pitchFamily="18" charset="0"/>
-              </a:rPr>
-              <a:t>. </a:t>
+              <a:t>Elbow method to choose the optimal number of clusters for the document embeddings &amp; claim embeddings. </a:t>
             </a:r>
             <a:endParaRPr lang="el-GR" sz="1200" dirty="0">
               <a:latin typeface="Times New Roman" panose="02020603050405020304" pitchFamily="18" charset="0"/>
@@ -22895,35 +22853,7 @@
                 <a:latin typeface="Times New Roman" panose="02020603050405020304" pitchFamily="18" charset="0"/>
                 <a:cs typeface="Times New Roman" panose="02020603050405020304" pitchFamily="18" charset="0"/>
               </a:rPr>
-              <a:t>Visualization of the Clusters for the document </a:t>
-            </a:r>
-            <a:r>
-              <a:rPr lang="en-US" sz="1200" dirty="0" err="1">
-                <a:latin typeface="Times New Roman" panose="02020603050405020304" pitchFamily="18" charset="0"/>
-                <a:cs typeface="Times New Roman" panose="02020603050405020304" pitchFamily="18" charset="0"/>
-              </a:rPr>
-              <a:t>embeddings</a:t>
-            </a:r>
-            <a:r>
-              <a:rPr lang="en-US" sz="1200" dirty="0">
-                <a:latin typeface="Times New Roman" panose="02020603050405020304" pitchFamily="18" charset="0"/>
-                <a:cs typeface="Times New Roman" panose="02020603050405020304" pitchFamily="18" charset="0"/>
-              </a:rPr>
-              <a:t> &amp; claim </a:t>
-            </a:r>
-            <a:r>
-              <a:rPr lang="en-US" sz="1200" dirty="0" err="1">
-                <a:latin typeface="Times New Roman" panose="02020603050405020304" pitchFamily="18" charset="0"/>
-                <a:cs typeface="Times New Roman" panose="02020603050405020304" pitchFamily="18" charset="0"/>
-              </a:rPr>
-              <a:t>embeddings</a:t>
-            </a:r>
-            <a:r>
-              <a:rPr lang="en-US" sz="1200" dirty="0">
-                <a:latin typeface="Times New Roman" panose="02020603050405020304" pitchFamily="18" charset="0"/>
-                <a:cs typeface="Times New Roman" panose="02020603050405020304" pitchFamily="18" charset="0"/>
-              </a:rPr>
-              <a:t> using PCA</a:t>
+              <a:t>Visualization of the Clusters for the document embeddings &amp; claim embeddings using PCA</a:t>
             </a:r>
             <a:endParaRPr lang="el-GR" sz="1200" dirty="0">
               <a:latin typeface="Times New Roman" panose="02020603050405020304" pitchFamily="18" charset="0"/>

--- a/G.E.Jo Presentation.pptx
+++ b/G.E.Jo Presentation.pptx
@@ -17505,23 +17505,7 @@
                 <a:ea typeface="SimSun" panose="02010600030101010101" pitchFamily="2" charset="-122"/>
                 <a:cs typeface="Times New Roman" panose="02020603050405020304" pitchFamily="18" charset="0"/>
               </a:rPr>
-              <a:t>Both models can well predict the </a:t>
-            </a:r>
-            <a:r>
-              <a:rPr lang="en-US" sz="2000" dirty="0" err="1">
-                <a:latin typeface="Times New Roman" panose="02020603050405020304" pitchFamily="18" charset="0"/>
-                <a:ea typeface="SimSun" panose="02010600030101010101" pitchFamily="2" charset="-122"/>
-                <a:cs typeface="Times New Roman" panose="02020603050405020304" pitchFamily="18" charset="0"/>
-              </a:rPr>
-              <a:t>Neithter</a:t>
-            </a:r>
-            <a:r>
-              <a:rPr lang="en-US" sz="2000" dirty="0">
-                <a:latin typeface="Times New Roman" panose="02020603050405020304" pitchFamily="18" charset="0"/>
-                <a:ea typeface="SimSun" panose="02010600030101010101" pitchFamily="2" charset="-122"/>
-                <a:cs typeface="Times New Roman" panose="02020603050405020304" pitchFamily="18" charset="0"/>
-              </a:rPr>
-              <a:t> class which has the most observations.</a:t>
+              <a:t>Both models can well predict the Neither class which has the most observations.</a:t>
             </a:r>
             <a:endParaRPr lang="el-GR" sz="2000" kern="1200" dirty="0">
               <a:effectLst/>
@@ -29617,21 +29601,21 @@
           <p:nvPr>
             <p:extLst>
               <p:ext uri="{D42A27DB-BD31-4B8C-83A1-F6EECF244321}">
-                <p14:modId xmlns:p14="http://schemas.microsoft.com/office/powerpoint/2010/main" val="2900452305"/>
+                <p14:modId xmlns:p14="http://schemas.microsoft.com/office/powerpoint/2010/main" val="3722205373"/>
               </p:ext>
             </p:extLst>
           </p:nvPr>
         </p:nvGraphicFramePr>
         <p:xfrm>
-          <a:off x="868102" y="2457263"/>
-          <a:ext cx="4144680" cy="3153636"/>
+          <a:off x="983974" y="2457263"/>
+          <a:ext cx="4028808" cy="3153636"/>
         </p:xfrm>
         <a:graphic>
           <a:graphicData uri="http://schemas.openxmlformats.org/drawingml/2006/table">
             <a:tbl>
               <a:tblPr/>
               <a:tblGrid>
-                <a:gridCol w="1036170">
+                <a:gridCol w="920298">
                   <a:extLst>
                     <a:ext uri="{9D8B030D-6E8A-4147-A177-3AD203B41FA5}">
                       <a16:colId xmlns:a16="http://schemas.microsoft.com/office/drawing/2014/main" val="1012018557"/>
@@ -29736,7 +29720,17 @@
                       <a:endParaRPr lang="el-GR"/>
                     </a:p>
                   </a:txBody>
-                  <a:tcPr/>
+                  <a:tcPr>
+                    <a:lnL w="12700" cap="flat" cmpd="sng" algn="ctr">
+                      <a:solidFill>
+                        <a:srgbClr val="000000"/>
+                      </a:solidFill>
+                      <a:prstDash val="solid"/>
+                      <a:round/>
+                      <a:headEnd type="none" w="med" len="med"/>
+                      <a:tailEnd type="none" w="med" len="med"/>
+                    </a:lnL>
+                  </a:tcPr>
                 </a:tc>
                 <a:tc hMerge="1">
                   <a:txBody>
@@ -29772,7 +29766,7 @@
                     <a:p>
                       <a:pPr algn="l" fontAlgn="ctr"/>
                       <a:r>
-                        <a:rPr lang="en-US" sz="1200" b="1" i="0" u="none" strike="noStrike">
+                        <a:rPr lang="en-US" sz="1200" b="1" i="0" u="none" strike="noStrike" dirty="0">
                           <a:solidFill>
                             <a:srgbClr val="000000"/>
                           </a:solidFill>
@@ -29781,7 +29775,7 @@
                         </a:rPr>
                         <a:t> </a:t>
                       </a:r>
-                      <a:endParaRPr lang="el-GR" sz="1200" b="1" i="0" u="none" strike="noStrike">
+                      <a:endParaRPr lang="el-GR" sz="1200" b="1" i="0" u="none" strike="noStrike" dirty="0">
                         <a:solidFill>
                           <a:srgbClr val="000000"/>
                         </a:solidFill>
@@ -29873,15 +29867,6 @@
                       <a:headEnd type="none" w="med" len="med"/>
                       <a:tailEnd type="none" w="med" len="med"/>
                     </a:lnR>
-                    <a:lnT w="12700" cap="flat" cmpd="sng" algn="ctr">
-                      <a:solidFill>
-                        <a:srgbClr val="000000"/>
-                      </a:solidFill>
-                      <a:prstDash val="solid"/>
-                      <a:round/>
-                      <a:headEnd type="none" w="med" len="med"/>
-                      <a:tailEnd type="none" w="med" len="med"/>
-                    </a:lnT>
                     <a:lnB w="12700" cap="flat" cmpd="sng" algn="ctr">
                       <a:solidFill>
                         <a:srgbClr val="000000"/>
@@ -30906,7 +30891,7 @@
                     <a:p>
                       <a:pPr algn="ctr" fontAlgn="ctr"/>
                       <a:r>
-                        <a:rPr lang="en-US" sz="1200" b="0" i="0" u="none" strike="noStrike">
+                        <a:rPr lang="en-US" sz="1200" b="0" i="0" u="none" strike="noStrike" dirty="0">
                           <a:solidFill>
                             <a:srgbClr val="000000"/>
                           </a:solidFill>
@@ -30915,7 +30900,7 @@
                         </a:rPr>
                         <a:t> </a:t>
                       </a:r>
-                      <a:endParaRPr lang="el-GR" sz="1200" b="0" i="0" u="none" strike="noStrike">
+                      <a:endParaRPr lang="el-GR" sz="1200" b="0" i="0" u="none" strike="noStrike" dirty="0">
                         <a:solidFill>
                           <a:srgbClr val="000000"/>
                         </a:solidFill>
@@ -31173,7 +31158,26 @@
                       <a:endParaRPr lang="el-GR"/>
                     </a:p>
                   </a:txBody>
-                  <a:tcPr/>
+                  <a:tcPr>
+                    <a:lnL w="12700" cap="flat" cmpd="sng" algn="ctr">
+                      <a:solidFill>
+                        <a:srgbClr val="000000"/>
+                      </a:solidFill>
+                      <a:prstDash val="solid"/>
+                      <a:round/>
+                      <a:headEnd type="none" w="med" len="med"/>
+                      <a:tailEnd type="none" w="med" len="med"/>
+                    </a:lnL>
+                    <a:lnT w="12700" cap="flat" cmpd="sng" algn="ctr">
+                      <a:solidFill>
+                        <a:srgbClr val="000000"/>
+                      </a:solidFill>
+                      <a:prstDash val="solid"/>
+                      <a:round/>
+                      <a:headEnd type="none" w="med" len="med"/>
+                      <a:tailEnd type="none" w="med" len="med"/>
+                    </a:lnT>
+                  </a:tcPr>
                 </a:tc>
                 <a:tc hMerge="1">
                   <a:txBody>
@@ -31310,15 +31314,6 @@
                       <a:headEnd type="none" w="med" len="med"/>
                       <a:tailEnd type="none" w="med" len="med"/>
                     </a:lnR>
-                    <a:lnT w="12700" cap="flat" cmpd="sng" algn="ctr">
-                      <a:solidFill>
-                        <a:srgbClr val="000000"/>
-                      </a:solidFill>
-                      <a:prstDash val="solid"/>
-                      <a:round/>
-                      <a:headEnd type="none" w="med" len="med"/>
-                      <a:tailEnd type="none" w="med" len="med"/>
-                    </a:lnT>
                     <a:lnB w="12700" cap="flat" cmpd="sng" algn="ctr">
                       <a:solidFill>
                         <a:srgbClr val="000000"/>
@@ -32407,7 +32402,7 @@
                     <a:p>
                       <a:pPr algn="ctr" fontAlgn="ctr"/>
                       <a:r>
-                        <a:rPr lang="en-US" sz="1200" b="0" i="0" u="none" strike="noStrike">
+                        <a:rPr lang="en-US" sz="1200" b="0" i="0" u="none" strike="noStrike" dirty="0">
                           <a:solidFill>
                             <a:srgbClr val="000000"/>
                           </a:solidFill>
@@ -32416,7 +32411,7 @@
                         </a:rPr>
                         <a:t> </a:t>
                       </a:r>
-                      <a:endParaRPr lang="el-GR" sz="1200" b="0" i="0" u="none" strike="noStrike">
+                      <a:endParaRPr lang="el-GR" sz="1200" b="0" i="0" u="none" strike="noStrike" dirty="0">
                         <a:solidFill>
                           <a:srgbClr val="000000"/>
                         </a:solidFill>
